--- a/slides/03-流程控制.pptx
+++ b/slides/03-流程控制.pptx
@@ -183,7 +183,7 @@
 <file path=ppt/revisionInfo.xml><?xml version="1.0" encoding="utf-8"?>
 <p1510:revInfo xmlns:a="http://schemas.openxmlformats.org/drawingml/2006/main" xmlns:r="http://schemas.openxmlformats.org/officeDocument/2006/relationships" xmlns:p1510="http://schemas.microsoft.com/office/powerpoint/2015/10/main">
   <p1510:revLst>
-    <p1510:client id="{7D39AE3D-C3F8-4E7B-B873-91CA9F985E5B}" v="1" dt="2024-03-04T13:28:07.895"/>
+    <p1510:client id="{1F14744A-6CD6-4F63-9CBD-0557BA7FA8BC}" v="4" dt="2025-04-14T12:12:41.251"/>
   </p1510:revLst>
 </p1510:revInfo>
 </file>
@@ -226,12 +226,28 @@
           <pc:docMk/>
           <pc:sldMk cId="753176371" sldId="306"/>
         </pc:sldMkLst>
+      </pc:sldChg>
+    </pc:docChg>
+  </pc:docChgLst>
+  <pc:docChgLst>
+    <pc:chgData name="pdcxs" userId="f53f700a-6709-4045-8975-3edaa594be1c" providerId="ADAL" clId="{1F14744A-6CD6-4F63-9CBD-0557BA7FA8BC}"/>
+    <pc:docChg chg="modSld">
+      <pc:chgData name="pdcxs" userId="f53f700a-6709-4045-8975-3edaa594be1c" providerId="ADAL" clId="{1F14744A-6CD6-4F63-9CBD-0557BA7FA8BC}" dt="2025-04-14T12:12:41.251" v="12"/>
+      <pc:docMkLst>
+        <pc:docMk/>
+      </pc:docMkLst>
+      <pc:sldChg chg="modSp mod">
+        <pc:chgData name="pdcxs" userId="f53f700a-6709-4045-8975-3edaa594be1c" providerId="ADAL" clId="{1F14744A-6CD6-4F63-9CBD-0557BA7FA8BC}" dt="2025-04-14T12:12:41.251" v="12"/>
+        <pc:sldMkLst>
+          <pc:docMk/>
+          <pc:sldMk cId="3154412778" sldId="329"/>
+        </pc:sldMkLst>
         <pc:spChg chg="mod">
-          <ac:chgData name="pdcxs" userId="f53f700a-6709-4045-8975-3edaa594be1c" providerId="ADAL" clId="{206C2F63-D4E4-4115-9DA8-EABBF00C3817}" dt="2023-02-23T07:20:39.849" v="6" actId="20577"/>
+          <ac:chgData name="pdcxs" userId="f53f700a-6709-4045-8975-3edaa594be1c" providerId="ADAL" clId="{1F14744A-6CD6-4F63-9CBD-0557BA7FA8BC}" dt="2025-04-14T12:12:41.251" v="12"/>
           <ac:spMkLst>
             <pc:docMk/>
-            <pc:sldMk cId="753176371" sldId="306"/>
-            <ac:spMk id="19" creationId="{00000000-0000-0000-0000-000000000000}"/>
+            <pc:sldMk cId="3154412778" sldId="329"/>
+            <ac:spMk id="21" creationId="{00000000-0000-0000-0000-000000000000}"/>
           </ac:spMkLst>
         </pc:spChg>
       </pc:sldChg>
@@ -250,14 +266,6 @@
           <pc:docMk/>
           <pc:sldMk cId="3154508666" sldId="323"/>
         </pc:sldMkLst>
-        <pc:spChg chg="mod">
-          <ac:chgData name="pdcxs" userId="f53f700a-6709-4045-8975-3edaa594be1c" providerId="ADAL" clId="{7D39AE3D-C3F8-4E7B-B873-91CA9F985E5B}" dt="2024-03-04T13:28:07.894" v="0"/>
-          <ac:spMkLst>
-            <pc:docMk/>
-            <pc:sldMk cId="3154508666" sldId="323"/>
-            <ac:spMk id="46" creationId="{554F1435-DEEE-4CD7-A7E5-573DA4B484EF}"/>
-          </ac:spMkLst>
-        </pc:spChg>
       </pc:sldChg>
     </pc:docChg>
   </pc:docChgLst>
@@ -373,7 +381,7 @@
               <a:pPr>
                 <a:defRPr/>
               </a:pPr>
-              <a:t>2024/3/4</a:t>
+              <a:t>2025/4/14</a:t>
             </a:fld>
             <a:endParaRPr lang="zh-CN" altLang="en-US"/>
           </a:p>
@@ -2633,7 +2641,7 @@
               <a:pPr>
                 <a:defRPr/>
               </a:pPr>
-              <a:t>2024/3/4</a:t>
+              <a:t>2025/4/14</a:t>
             </a:fld>
             <a:endParaRPr lang="zh-CN" altLang="en-US"/>
           </a:p>
@@ -2974,7 +2982,7 @@
               <a:pPr>
                 <a:defRPr/>
               </a:pPr>
-              <a:t>2024/3/4</a:t>
+              <a:t>2025/4/14</a:t>
             </a:fld>
             <a:endParaRPr lang="zh-CN" altLang="en-US"/>
           </a:p>
@@ -3237,7 +3245,7 @@
               <a:pPr>
                 <a:defRPr/>
               </a:pPr>
-              <a:t>2024/3/4</a:t>
+              <a:t>2025/4/14</a:t>
             </a:fld>
             <a:endParaRPr lang="zh-CN" altLang="en-US"/>
           </a:p>
@@ -3500,7 +3508,7 @@
               <a:pPr>
                 <a:defRPr/>
               </a:pPr>
-              <a:t>2024/3/4</a:t>
+              <a:t>2025/4/14</a:t>
             </a:fld>
             <a:endParaRPr lang="zh-CN" altLang="en-US"/>
           </a:p>
@@ -3808,7 +3816,7 @@
           <a:p>
             <a:fld id="{727B9DD9-119C-4B8D-B3AB-3CFC6AE69930}" type="datetimeFigureOut">
               <a:rPr lang="zh-CN" altLang="en-US" smtClean="0"/>
-              <a:t>2024/3/4</a:t>
+              <a:t>2025/4/14</a:t>
             </a:fld>
             <a:endParaRPr lang="zh-CN" altLang="en-US"/>
           </a:p>
@@ -3888,7 +3896,7 @@
         <p:random/>
       </p:transition>
     </mc:Choice>
-    <mc:Fallback xmlns="" xmlns:p15="http://schemas.microsoft.com/office/powerpoint/2012/main">
+    <mc:Fallback xmlns:p15="http://schemas.microsoft.com/office/powerpoint/2012/main" xmlns="">
       <p:transition spd="slow" advClick="0">
         <p:random/>
       </p:transition>
@@ -5170,7 +5178,7 @@
               <a:pPr>
                 <a:defRPr/>
               </a:pPr>
-              <a:t>2024/3/4</a:t>
+              <a:t>2025/4/14</a:t>
             </a:fld>
             <a:endParaRPr lang="zh-CN" altLang="en-US"/>
           </a:p>
@@ -5688,7 +5696,7 @@
               <a:pPr>
                 <a:defRPr/>
               </a:pPr>
-              <a:t>2024/3/4</a:t>
+              <a:t>2025/4/14</a:t>
             </a:fld>
             <a:endParaRPr lang="zh-CN" altLang="en-US"/>
           </a:p>
@@ -5892,7 +5900,7 @@
               <a:pPr>
                 <a:defRPr/>
               </a:pPr>
-              <a:t>2024/3/4</a:t>
+              <a:t>2025/4/14</a:t>
             </a:fld>
             <a:endParaRPr lang="zh-CN" altLang="en-US"/>
           </a:p>
@@ -6066,7 +6074,7 @@
               <a:pPr>
                 <a:defRPr/>
               </a:pPr>
-              <a:t>2024/3/4</a:t>
+              <a:t>2025/4/14</a:t>
             </a:fld>
             <a:endParaRPr lang="zh-CN" altLang="en-US"/>
           </a:p>
@@ -6752,8 +6760,8 @@
         </p:nvSpPr>
         <p:spPr>
           <a:xfrm>
-            <a:off x="4307104" y="3583212"/>
-            <a:ext cx="3793288" cy="288512"/>
+            <a:off x="5312187" y="3583212"/>
+            <a:ext cx="1783123" cy="288512"/>
           </a:xfrm>
           <a:prstGeom prst="rect">
             <a:avLst/>
@@ -6768,7 +6776,7 @@
           <a:p>
             <a:pPr algn="ctr"/>
             <a:r>
-              <a:rPr lang="zh-CN" altLang="en-US" sz="1425" dirty="0">
+              <a:rPr lang="zh-CN" altLang="en-US" sz="1425">
                 <a:solidFill>
                   <a:schemeClr val="tx1">
                     <a:lumMod val="85000"/>
@@ -6778,7 +6786,7 @@
                 <a:latin typeface="微软雅黑" pitchFamily="34" charset="-122"/>
                 <a:ea typeface="微软雅黑" pitchFamily="34" charset="-122"/>
               </a:rPr>
-              <a:t>学院：计算机科学与技术学院（大数据学院）</a:t>
+              <a:t>学院：人工智能学院</a:t>
             </a:r>
             <a:endParaRPr lang="en-US" altLang="zh-CN" sz="1425" dirty="0">
               <a:solidFill>
@@ -6926,7 +6934,7 @@
         <p:blinds dir="vert"/>
       </p:transition>
     </mc:Choice>
-    <mc:Fallback xmlns="" xmlns:p15="http://schemas.microsoft.com/office/powerpoint/2012/main">
+    <mc:Fallback xmlns:p15="http://schemas.microsoft.com/office/powerpoint/2012/main" xmlns="">
       <p:transition spd="slow" advClick="0">
         <p:blinds dir="vert"/>
       </p:transition>
@@ -9674,7 +9682,7 @@
         <p:blinds dir="vert"/>
       </p:transition>
     </mc:Choice>
-    <mc:Fallback xmlns="" xmlns:p15="http://schemas.microsoft.com/office/powerpoint/2012/main">
+    <mc:Fallback xmlns:p15="http://schemas.microsoft.com/office/powerpoint/2012/main" xmlns="">
       <p:transition spd="slow" advClick="0">
         <p:blinds dir="vert"/>
       </p:transition>
@@ -11894,7 +11902,7 @@
         <p:blinds dir="vert"/>
       </p:transition>
     </mc:Choice>
-    <mc:Fallback xmlns="" xmlns:p15="http://schemas.microsoft.com/office/powerpoint/2012/main">
+    <mc:Fallback xmlns:p15="http://schemas.microsoft.com/office/powerpoint/2012/main" xmlns="">
       <p:transition spd="slow" advClick="0">
         <p:blinds dir="vert"/>
       </p:transition>
@@ -14808,7 +14816,7 @@
         <p:blinds dir="vert"/>
       </p:transition>
     </mc:Choice>
-    <mc:Fallback xmlns="" xmlns:p15="http://schemas.microsoft.com/office/powerpoint/2012/main">
+    <mc:Fallback xmlns:p15="http://schemas.microsoft.com/office/powerpoint/2012/main" xmlns="">
       <p:transition spd="slow" advClick="0">
         <p:blinds dir="vert"/>
       </p:transition>
@@ -17022,7 +17030,7 @@
         <p:blinds dir="vert"/>
       </p:transition>
     </mc:Choice>
-    <mc:Fallback xmlns="" xmlns:p15="http://schemas.microsoft.com/office/powerpoint/2012/main">
+    <mc:Fallback xmlns:p15="http://schemas.microsoft.com/office/powerpoint/2012/main" xmlns="">
       <p:transition spd="slow" advClick="0">
         <p:blinds dir="vert"/>
       </p:transition>
@@ -17522,7 +17530,7 @@
         <p:blinds dir="vert"/>
       </p:transition>
     </mc:Choice>
-    <mc:Fallback xmlns="" xmlns:p15="http://schemas.microsoft.com/office/powerpoint/2012/main">
+    <mc:Fallback xmlns:p15="http://schemas.microsoft.com/office/powerpoint/2012/main" xmlns="">
       <p:transition spd="slow" advClick="0">
         <p:blinds dir="vert"/>
       </p:transition>
@@ -18750,7 +18758,7 @@
     <mc:Choice Requires="p14">
       <p:transition spd="slow" p14:dur="2000" advClick="0"/>
     </mc:Choice>
-    <mc:Fallback xmlns="" xmlns:p15="http://schemas.microsoft.com/office/powerpoint/2012/main">
+    <mc:Fallback xmlns:p15="http://schemas.microsoft.com/office/powerpoint/2012/main" xmlns="">
       <p:transition spd="slow" advClick="0"/>
     </mc:Fallback>
   </mc:AlternateContent>
@@ -21847,7 +21855,7 @@
         <p14:prism/>
       </p:transition>
     </mc:Choice>
-    <mc:Fallback xmlns="" xmlns:p15="http://schemas.microsoft.com/office/powerpoint/2012/main">
+    <mc:Fallback xmlns:p15="http://schemas.microsoft.com/office/powerpoint/2012/main" xmlns="">
       <p:transition spd="slow" advClick="0">
         <p:fade/>
       </p:transition>
@@ -24130,7 +24138,7 @@
         <p:blinds dir="vert"/>
       </p:transition>
     </mc:Choice>
-    <mc:Fallback xmlns="" xmlns:p15="http://schemas.microsoft.com/office/powerpoint/2012/main">
+    <mc:Fallback xmlns:p15="http://schemas.microsoft.com/office/powerpoint/2012/main" xmlns="">
       <p:transition spd="slow" advClick="0">
         <p:blinds dir="vert"/>
       </p:transition>
@@ -25243,7 +25251,7 @@
         <p:blinds dir="vert"/>
       </p:transition>
     </mc:Choice>
-    <mc:Fallback xmlns="" xmlns:p15="http://schemas.microsoft.com/office/powerpoint/2012/main">
+    <mc:Fallback xmlns:p15="http://schemas.microsoft.com/office/powerpoint/2012/main" xmlns="">
       <p:transition spd="slow" advClick="0">
         <p:blinds dir="vert"/>
       </p:transition>
@@ -28874,7 +28882,7 @@
         <p:blinds dir="vert"/>
       </p:transition>
     </mc:Choice>
-    <mc:Fallback xmlns="" xmlns:p15="http://schemas.microsoft.com/office/powerpoint/2012/main">
+    <mc:Fallback xmlns:p15="http://schemas.microsoft.com/office/powerpoint/2012/main" xmlns="">
       <p:transition spd="slow" advClick="0">
         <p:blinds dir="vert"/>
       </p:transition>
